--- a/Clase_3_30-06-2015/Clase3.pptx
+++ b/Clase_3_30-06-2015/Clase3.pptx
@@ -5,11 +5,12 @@
     <p:sldMasterId id="2147483659" r:id="rId1"/>
   </p:sldMasterIdLst>
   <p:notesMasterIdLst>
-    <p:notesMasterId r:id="rId4"/>
+    <p:notesMasterId r:id="rId5"/>
   </p:notesMasterIdLst>
   <p:sldIdLst>
     <p:sldId id="256" r:id="rId2"/>
     <p:sldId id="260" r:id="rId3"/>
+    <p:sldId id="261" r:id="rId4"/>
   </p:sldIdLst>
   <p:sldSz cx="9144000" cy="5143500" type="screen16x9"/>
   <p:notesSz cx="6858000" cy="9144000"/>
@@ -217,7 +218,7 @@
   </p:defaultTextStyle>
   <p:extLst>
     <p:ext uri="{EFAFB233-063F-42B5-8137-9DF3F51BA10A}">
-      <p15:sldGuideLst xmlns:p15="http://schemas.microsoft.com/office/powerpoint/2012/main" xmlns="">
+      <p15:sldGuideLst xmlns="" xmlns:p15="http://schemas.microsoft.com/office/powerpoint/2012/main">
         <p15:guide id="1" orient="horz" pos="1620">
           <p15:clr>
             <a:srgbClr val="A4A3A4"/>
@@ -598,6 +599,107 @@
 </file>
 
 <file path=ppt/notesSlides/notesSlide2.xml><?xml version="1.0" encoding="utf-8"?>
+<p:notes xmlns:a="http://schemas.openxmlformats.org/drawingml/2006/main" xmlns:r="http://schemas.openxmlformats.org/officeDocument/2006/relationships" xmlns:p="http://schemas.openxmlformats.org/presentationml/2006/main" showMasterSp="0" showMasterPhAnim="0">
+  <p:cSld>
+    <p:spTree>
+      <p:nvGrpSpPr>
+        <p:cNvPr id="1" name="Shape 84"/>
+        <p:cNvGrpSpPr/>
+        <p:nvPr/>
+      </p:nvGrpSpPr>
+      <p:grpSpPr>
+        <a:xfrm>
+          <a:off x="0" y="0"/>
+          <a:ext cx="0" cy="0"/>
+          <a:chOff x="0" y="0"/>
+          <a:chExt cx="0" cy="0"/>
+        </a:xfrm>
+      </p:grpSpPr>
+      <p:sp>
+        <p:nvSpPr>
+          <p:cNvPr id="85" name="Shape 85"/>
+          <p:cNvSpPr>
+            <a:spLocks noGrp="1" noRot="1" noChangeAspect="1"/>
+          </p:cNvSpPr>
+          <p:nvPr>
+            <p:ph type="sldImg" idx="2"/>
+          </p:nvPr>
+        </p:nvSpPr>
+        <p:spPr>
+          <a:xfrm>
+            <a:off x="381000" y="685800"/>
+            <a:ext cx="6096000" cy="3429000"/>
+          </a:xfrm>
+          <a:custGeom>
+            <a:avLst/>
+            <a:gdLst/>
+            <a:ahLst/>
+            <a:cxnLst/>
+            <a:rect l="0" t="0" r="0" b="0"/>
+            <a:pathLst>
+              <a:path w="120000" h="120000" extrusionOk="0">
+                <a:moveTo>
+                  <a:pt x="0" y="0"/>
+                </a:moveTo>
+                <a:lnTo>
+                  <a:pt x="120000" y="0"/>
+                </a:lnTo>
+                <a:lnTo>
+                  <a:pt x="120000" y="120000"/>
+                </a:lnTo>
+                <a:lnTo>
+                  <a:pt x="0" y="120000"/>
+                </a:lnTo>
+                <a:close/>
+              </a:path>
+            </a:pathLst>
+          </a:custGeom>
+        </p:spPr>
+      </p:sp>
+      <p:sp>
+        <p:nvSpPr>
+          <p:cNvPr id="86" name="Shape 86"/>
+          <p:cNvSpPr txBox="1">
+            <a:spLocks noGrp="1"/>
+          </p:cNvSpPr>
+          <p:nvPr>
+            <p:ph type="body" idx="1"/>
+          </p:nvPr>
+        </p:nvSpPr>
+        <p:spPr>
+          <a:xfrm>
+            <a:off x="685800" y="4343400"/>
+            <a:ext cx="5486399" cy="4114800"/>
+          </a:xfrm>
+          <a:prstGeom prst="rect">
+            <a:avLst/>
+          </a:prstGeom>
+        </p:spPr>
+        <p:txBody>
+          <a:bodyPr lIns="91425" tIns="91425" rIns="91425" bIns="91425" anchor="t" anchorCtr="0">
+            <a:noAutofit/>
+          </a:bodyPr>
+          <a:lstStyle/>
+          <a:p>
+            <a:pPr lvl="0">
+              <a:spcBef>
+                <a:spcPts val="0"/>
+              </a:spcBef>
+              <a:buNone/>
+            </a:pPr>
+            <a:endParaRPr/>
+          </a:p>
+        </p:txBody>
+      </p:sp>
+    </p:spTree>
+  </p:cSld>
+  <p:clrMapOvr>
+    <a:masterClrMapping/>
+  </p:clrMapOvr>
+</p:notes>
+</file>
+
+<file path=ppt/notesSlides/notesSlide3.xml><?xml version="1.0" encoding="utf-8"?>
 <p:notes xmlns:a="http://schemas.openxmlformats.org/drawingml/2006/main" xmlns:r="http://schemas.openxmlformats.org/officeDocument/2006/relationships" xmlns:p="http://schemas.openxmlformats.org/presentationml/2006/main" showMasterSp="0" showMasterPhAnim="0">
   <p:cSld>
     <p:spTree>
@@ -5155,11 +5257,7 @@
             </a:pPr>
             <a:r>
               <a:rPr lang="es-ES_tradnl" b="1" dirty="0" smtClean="0"/>
-              <a:t>Clase </a:t>
-            </a:r>
-            <a:r>
-              <a:rPr lang="es-ES_tradnl" b="1" dirty="0" smtClean="0"/>
-              <a:t>3</a:t>
+              <a:t>Clase 3</a:t>
             </a:r>
             <a:endParaRPr b="1" dirty="0"/>
           </a:p>
@@ -5167,19 +5265,15 @@
             <a:pPr lvl="0"/>
             <a:r>
               <a:rPr lang="en-US" b="1" dirty="0" err="1" smtClean="0"/>
-              <a:t>Regresi</a:t>
-            </a:r>
-            <a:r>
-              <a:rPr lang="en-US" b="1" dirty="0" err="1" smtClean="0"/>
-              <a:t>ón</a:t>
+              <a:t>Regresión</a:t>
             </a:r>
             <a:r>
               <a:rPr lang="en-US" b="1" dirty="0" smtClean="0"/>
               <a:t> </a:t>
             </a:r>
             <a:r>
-              <a:rPr lang="en-US" b="1" dirty="0" err="1" smtClean="0"/>
-              <a:t>Linal</a:t>
+              <a:rPr lang="en-US" b="1" dirty="0" smtClean="0"/>
+              <a:t>Lineal</a:t>
             </a:r>
             <a:endParaRPr lang="en" b="1" dirty="0"/>
           </a:p>
@@ -5336,8 +5430,34 @@
           <a:p>
             <a:pPr lvl="0"/>
             <a:r>
+              <a:rPr lang="en-US" sz="2400" dirty="0" err="1"/>
+              <a:t>Usando</a:t>
+            </a:r>
+            <a:r>
+              <a:rPr lang="en-US" sz="2400" dirty="0"/>
+              <a:t> la </a:t>
+            </a:r>
+            <a:r>
+              <a:rPr lang="en-US" sz="2400" dirty="0" err="1"/>
+              <a:t>encuesta</a:t>
+            </a:r>
+            <a:r>
+              <a:rPr lang="en-US" sz="2400" dirty="0"/>
+              <a:t> </a:t>
+            </a:r>
+            <a:r>
+              <a:rPr lang="en-US" sz="2400" dirty="0" smtClean="0">
+                <a:hlinkClick r:id="rId3"/>
+              </a:rPr>
+              <a:t>CASEN 2013</a:t>
+            </a:r>
+            <a:r>
+              <a:rPr lang="en-US" sz="2400" dirty="0"/>
+              <a:t> </a:t>
+            </a:r>
+            <a:r>
               <a:rPr lang="en-US" sz="2400" dirty="0" err="1" smtClean="0"/>
-              <a:t>Ejecutar</a:t>
+              <a:t>estime</a:t>
             </a:r>
             <a:r>
               <a:rPr lang="en-US" sz="2400" dirty="0" smtClean="0"/>
@@ -5345,146 +5465,174 @@
             </a:r>
             <a:r>
               <a:rPr lang="en-US" sz="2400" dirty="0"/>
-              <a:t>el </a:t>
+              <a:t>un </a:t>
             </a:r>
             <a:r>
               <a:rPr lang="en-US" sz="2400" dirty="0" err="1"/>
-              <a:t>siguiente</a:t>
+              <a:t>modelo</a:t>
             </a:r>
             <a:r>
               <a:rPr lang="en-US" sz="2400" dirty="0"/>
-              <a:t> </a:t>
-            </a:r>
-            <a:r>
-              <a:rPr lang="en-US" sz="2400" dirty="0" err="1"/>
-              <a:t>código</a:t>
-            </a:r>
+              <a:t> log-</a:t>
+            </a:r>
+            <a:r>
+              <a:rPr lang="en-US" sz="2400" dirty="0" smtClean="0"/>
+              <a:t>lineal </a:t>
+            </a:r>
+          </a:p>
+          <a:p>
+            <a:pPr lvl="0"/>
             <a:endParaRPr lang="en-US" sz="2400" dirty="0"/>
           </a:p>
           <a:p>
             <a:pPr lvl="0"/>
-            <a:r>
-              <a:rPr lang="en-US" dirty="0" err="1">
-                <a:solidFill>
-                  <a:srgbClr val="800000"/>
-                </a:solidFill>
-                <a:latin typeface="Roboto Mono"/>
-                <a:cs typeface="Roboto Mono"/>
-              </a:rPr>
-              <a:t>setwd</a:t>
-            </a:r>
-            <a:r>
-              <a:rPr lang="en-US" dirty="0">
-                <a:solidFill>
-                  <a:srgbClr val="800000"/>
-                </a:solidFill>
-                <a:latin typeface="Roboto Mono"/>
-                <a:cs typeface="Roboto Mono"/>
-              </a:rPr>
-              <a:t>("/Users/</a:t>
-            </a:r>
-            <a:r>
-              <a:rPr lang="en-US" dirty="0" err="1">
-                <a:solidFill>
-                  <a:srgbClr val="800000"/>
-                </a:solidFill>
-                <a:latin typeface="Roboto Mono"/>
-                <a:cs typeface="Roboto Mono"/>
-              </a:rPr>
-              <a:t>pacha</a:t>
-            </a:r>
-            <a:r>
-              <a:rPr lang="en-US" dirty="0">
-                <a:solidFill>
-                  <a:srgbClr val="800000"/>
-                </a:solidFill>
-                <a:latin typeface="Roboto Mono"/>
-                <a:cs typeface="Roboto Mono"/>
-              </a:rPr>
-              <a:t>/</a:t>
-            </a:r>
-            <a:r>
-              <a:rPr lang="en-US" dirty="0" err="1">
-                <a:solidFill>
-                  <a:srgbClr val="800000"/>
-                </a:solidFill>
-                <a:latin typeface="Roboto Mono"/>
-                <a:cs typeface="Roboto Mono"/>
-              </a:rPr>
-              <a:t>clases_profesor_mario_matus</a:t>
-            </a:r>
-            <a:r>
-              <a:rPr lang="en-US" dirty="0">
-                <a:solidFill>
-                  <a:srgbClr val="800000"/>
-                </a:solidFill>
-                <a:latin typeface="Roboto Mono"/>
-                <a:cs typeface="Roboto Mono"/>
-              </a:rPr>
-              <a:t>/clase2/")</a:t>
-            </a:r>
+            <a:endParaRPr lang="en-US" sz="2400" dirty="0" smtClean="0"/>
           </a:p>
           <a:p>
             <a:pPr lvl="0"/>
             <a:r>
-              <a:rPr lang="en-US" dirty="0" err="1">
-                <a:solidFill>
-                  <a:srgbClr val="800000"/>
-                </a:solidFill>
-                <a:latin typeface="Roboto Mono"/>
-                <a:cs typeface="Roboto Mono"/>
-              </a:rPr>
-              <a:t>exports_data</a:t>
-            </a:r>
-            <a:r>
-              <a:rPr lang="en-US" dirty="0">
-                <a:solidFill>
-                  <a:srgbClr val="800000"/>
-                </a:solidFill>
-                <a:latin typeface="Roboto Mono"/>
-                <a:cs typeface="Roboto Mono"/>
-              </a:rPr>
-              <a:t> &lt;- </a:t>
-            </a:r>
-            <a:r>
-              <a:rPr lang="en-US" dirty="0" err="1">
-                <a:solidFill>
-                  <a:srgbClr val="800000"/>
-                </a:solidFill>
-                <a:latin typeface="Roboto Mono"/>
-                <a:cs typeface="Roboto Mono"/>
-              </a:rPr>
-              <a:t>read.csv</a:t>
-            </a:r>
-            <a:r>
-              <a:rPr lang="en-US" dirty="0">
-                <a:solidFill>
-                  <a:srgbClr val="800000"/>
-                </a:solidFill>
-                <a:latin typeface="Roboto Mono"/>
-                <a:cs typeface="Roboto Mono"/>
-              </a:rPr>
-              <a:t>("</a:t>
-            </a:r>
-            <a:r>
-              <a:rPr lang="en-US" dirty="0" err="1" smtClean="0">
-                <a:solidFill>
-                  <a:srgbClr val="800000"/>
-                </a:solidFill>
-                <a:latin typeface="Roboto Mono"/>
-                <a:cs typeface="Roboto Mono"/>
-              </a:rPr>
-              <a:t>copper_data.csv</a:t>
-            </a:r>
-            <a:r>
-              <a:rPr lang="en-US" dirty="0" smtClean="0">
-                <a:solidFill>
-                  <a:srgbClr val="800000"/>
-                </a:solidFill>
-                <a:latin typeface="Roboto Mono"/>
-                <a:cs typeface="Roboto Mono"/>
-              </a:rPr>
-              <a:t>”)</a:t>
+              <a:rPr lang="en-US" sz="2400" dirty="0" err="1" smtClean="0"/>
+              <a:t>que</a:t>
+            </a:r>
+            <a:r>
+              <a:rPr lang="en-US" sz="2400" dirty="0" smtClean="0"/>
+              <a:t> </a:t>
+            </a:r>
+            <a:r>
+              <a:rPr lang="en-US" sz="2400" dirty="0" err="1"/>
+              <a:t>permita</a:t>
+            </a:r>
+            <a:r>
+              <a:rPr lang="en-US" sz="2400" dirty="0"/>
+              <a:t> </a:t>
+            </a:r>
+            <a:r>
+              <a:rPr lang="en-US" sz="2400" dirty="0" err="1"/>
+              <a:t>predecir</a:t>
+            </a:r>
+            <a:r>
+              <a:rPr lang="en-US" sz="2400" dirty="0"/>
+              <a:t> el </a:t>
+            </a:r>
+            <a:r>
+              <a:rPr lang="en-US" sz="2400" dirty="0" err="1"/>
+              <a:t>salario</a:t>
+            </a:r>
+            <a:r>
+              <a:rPr lang="en-US" sz="2400" dirty="0"/>
+              <a:t> </a:t>
+            </a:r>
+            <a:r>
+              <a:rPr lang="en-US" sz="2400" dirty="0" err="1"/>
+              <a:t>por</a:t>
+            </a:r>
+            <a:r>
+              <a:rPr lang="en-US" sz="2400" dirty="0"/>
+              <a:t> </a:t>
+            </a:r>
+            <a:r>
+              <a:rPr lang="en-US" sz="2400" dirty="0" err="1"/>
+              <a:t>hora</a:t>
+            </a:r>
+            <a:r>
+              <a:rPr lang="en-US" sz="2400" dirty="0"/>
+              <a:t> de los </a:t>
+            </a:r>
+            <a:r>
+              <a:rPr lang="en-US" sz="2400" dirty="0" err="1"/>
+              <a:t>profesionales</a:t>
+            </a:r>
+            <a:r>
+              <a:rPr lang="en-US" sz="2400" dirty="0"/>
+              <a:t> </a:t>
+            </a:r>
+            <a:r>
+              <a:rPr lang="en-US" sz="2400" dirty="0" err="1"/>
+              <a:t>chilenos</a:t>
+            </a:r>
+            <a:r>
+              <a:rPr lang="en-US" sz="2400" dirty="0"/>
+              <a:t> de entre 35 y 45 </a:t>
+            </a:r>
+            <a:r>
+              <a:rPr lang="en-US" sz="2400" dirty="0" err="1"/>
+              <a:t>años</a:t>
+            </a:r>
+            <a:r>
+              <a:rPr lang="en-US" sz="2400" dirty="0"/>
+              <a:t> </a:t>
+            </a:r>
+            <a:r>
+              <a:rPr lang="en-US" sz="2400" dirty="0" err="1"/>
+              <a:t>que</a:t>
+            </a:r>
+            <a:r>
+              <a:rPr lang="en-US" sz="2400" dirty="0"/>
+              <a:t> </a:t>
+            </a:r>
+            <a:r>
+              <a:rPr lang="en-US" sz="2400" dirty="0" err="1"/>
+              <a:t>tienen</a:t>
+            </a:r>
+            <a:r>
+              <a:rPr lang="en-US" sz="2400" dirty="0"/>
+              <a:t> </a:t>
+            </a:r>
+            <a:r>
+              <a:rPr lang="en-US" sz="2400" dirty="0" err="1"/>
+              <a:t>una</a:t>
+            </a:r>
+            <a:r>
+              <a:rPr lang="en-US" sz="2400" dirty="0"/>
+              <a:t> </a:t>
+            </a:r>
+            <a:r>
+              <a:rPr lang="en-US" sz="2400" dirty="0" err="1"/>
+              <a:t>jornada</a:t>
+            </a:r>
+            <a:r>
+              <a:rPr lang="en-US" sz="2400" dirty="0"/>
+              <a:t> </a:t>
+            </a:r>
+            <a:r>
+              <a:rPr lang="en-US" sz="2400" dirty="0" err="1"/>
+              <a:t>laboral</a:t>
+            </a:r>
+            <a:r>
+              <a:rPr lang="en-US" sz="2400" dirty="0"/>
+              <a:t> de al </a:t>
+            </a:r>
+            <a:r>
+              <a:rPr lang="en-US" sz="2400" dirty="0" err="1"/>
+              <a:t>menos</a:t>
+            </a:r>
+            <a:r>
+              <a:rPr lang="en-US" sz="2400" dirty="0"/>
+              <a:t> 30 </a:t>
+            </a:r>
+            <a:r>
+              <a:rPr lang="en-US" sz="2400" dirty="0" err="1"/>
+              <a:t>horas</a:t>
+            </a:r>
+            <a:r>
+              <a:rPr lang="en-US" sz="2400" dirty="0"/>
+              <a:t> </a:t>
+            </a:r>
+            <a:r>
+              <a:rPr lang="en-US" sz="2400" dirty="0" err="1"/>
+              <a:t>por</a:t>
+            </a:r>
+            <a:r>
+              <a:rPr lang="en-US" sz="2400" dirty="0"/>
+              <a:t> </a:t>
+            </a:r>
+            <a:r>
+              <a:rPr lang="en-US" sz="2400" dirty="0" err="1"/>
+              <a:t>semana</a:t>
+            </a:r>
+            <a:r>
+              <a:rPr lang="en-US" sz="2400" dirty="0"/>
+              <a:t>.</a:t>
             </a:r>
             <a:endParaRPr lang="en-US" dirty="0">
               <a:solidFill>
@@ -5493,142 +5641,6 @@
               <a:latin typeface="Roboto Mono"/>
               <a:cs typeface="Roboto Mono"/>
             </a:endParaRPr>
-          </a:p>
-          <a:p>
-            <a:pPr lvl="0"/>
-            <a:r>
-              <a:rPr lang="en-US" dirty="0">
-                <a:solidFill>
-                  <a:srgbClr val="800000"/>
-                </a:solidFill>
-                <a:latin typeface="Roboto Mono"/>
-                <a:cs typeface="Roboto Mono"/>
-              </a:rPr>
-              <a:t>library(ggplot2)</a:t>
-            </a:r>
-          </a:p>
-          <a:p>
-            <a:pPr lvl="0"/>
-            <a:r>
-              <a:rPr lang="en-US" dirty="0" err="1">
-                <a:solidFill>
-                  <a:srgbClr val="800000"/>
-                </a:solidFill>
-                <a:latin typeface="Roboto Mono"/>
-                <a:cs typeface="Roboto Mono"/>
-              </a:rPr>
-              <a:t>ggplot</a:t>
-            </a:r>
-            <a:r>
-              <a:rPr lang="en-US" dirty="0">
-                <a:solidFill>
-                  <a:srgbClr val="800000"/>
-                </a:solidFill>
-                <a:latin typeface="Roboto Mono"/>
-                <a:cs typeface="Roboto Mono"/>
-              </a:rPr>
-              <a:t>() + </a:t>
-            </a:r>
-            <a:r>
-              <a:rPr lang="en-US" dirty="0" err="1">
-                <a:solidFill>
-                  <a:srgbClr val="800000"/>
-                </a:solidFill>
-                <a:latin typeface="Roboto Mono"/>
-                <a:cs typeface="Roboto Mono"/>
-              </a:rPr>
-              <a:t>geom_line</a:t>
-            </a:r>
-            <a:r>
-              <a:rPr lang="en-US" dirty="0">
-                <a:solidFill>
-                  <a:srgbClr val="800000"/>
-                </a:solidFill>
-                <a:latin typeface="Roboto Mono"/>
-                <a:cs typeface="Roboto Mono"/>
-              </a:rPr>
-              <a:t>(</a:t>
-            </a:r>
-            <a:r>
-              <a:rPr lang="en-US" dirty="0" err="1">
-                <a:solidFill>
-                  <a:srgbClr val="800000"/>
-                </a:solidFill>
-                <a:latin typeface="Roboto Mono"/>
-                <a:cs typeface="Roboto Mono"/>
-              </a:rPr>
-              <a:t>aes</a:t>
-            </a:r>
-            <a:r>
-              <a:rPr lang="en-US" dirty="0">
-                <a:solidFill>
-                  <a:srgbClr val="800000"/>
-                </a:solidFill>
-                <a:latin typeface="Roboto Mono"/>
-                <a:cs typeface="Roboto Mono"/>
-              </a:rPr>
-              <a:t>(y = export, x = year, </a:t>
-            </a:r>
-            <a:r>
-              <a:rPr lang="en-US" dirty="0" err="1">
-                <a:solidFill>
-                  <a:srgbClr val="800000"/>
-                </a:solidFill>
-                <a:latin typeface="Roboto Mono"/>
-                <a:cs typeface="Roboto Mono"/>
-              </a:rPr>
-              <a:t>colour</a:t>
-            </a:r>
-            <a:r>
-              <a:rPr lang="en-US" dirty="0">
-                <a:solidFill>
-                  <a:srgbClr val="800000"/>
-                </a:solidFill>
-                <a:latin typeface="Roboto Mono"/>
-                <a:cs typeface="Roboto Mono"/>
-              </a:rPr>
-              <a:t> = product)</a:t>
-            </a:r>
-            <a:r>
-              <a:rPr lang="en-US" dirty="0" smtClean="0">
-                <a:solidFill>
-                  <a:srgbClr val="800000"/>
-                </a:solidFill>
-                <a:latin typeface="Roboto Mono"/>
-                <a:cs typeface="Roboto Mono"/>
-              </a:rPr>
-              <a:t>, data </a:t>
-            </a:r>
-            <a:r>
-              <a:rPr lang="en-US" dirty="0">
-                <a:solidFill>
-                  <a:srgbClr val="800000"/>
-                </a:solidFill>
-                <a:latin typeface="Roboto Mono"/>
-                <a:cs typeface="Roboto Mono"/>
-              </a:rPr>
-              <a:t>= </a:t>
-            </a:r>
-            <a:r>
-              <a:rPr lang="en-US" dirty="0" err="1">
-                <a:solidFill>
-                  <a:srgbClr val="800000"/>
-                </a:solidFill>
-                <a:latin typeface="Roboto Mono"/>
-                <a:cs typeface="Roboto Mono"/>
-              </a:rPr>
-              <a:t>exports_data</a:t>
-            </a:r>
-            <a:r>
-              <a:rPr lang="en-US" dirty="0">
-                <a:solidFill>
-                  <a:srgbClr val="800000"/>
-                </a:solidFill>
-                <a:latin typeface="Roboto Mono"/>
-                <a:cs typeface="Roboto Mono"/>
-              </a:rPr>
-              <a:t>, stat="identity")</a:t>
-            </a:r>
           </a:p>
         </p:txBody>
       </p:sp>
@@ -5653,6 +5665,475 @@
                   <a:schemeClr val="tx1"/>
                 </a:solidFill>
               </a:rPr>
+              <a:t>Actividad</a:t>
+            </a:r>
+            <a:endParaRPr lang="en-US" sz="3200" b="1" dirty="0">
+              <a:solidFill>
+                <a:schemeClr val="tx1"/>
+              </a:solidFill>
+            </a:endParaRPr>
+          </a:p>
+        </p:txBody>
+      </p:sp>
+      <p:pic>
+        <p:nvPicPr>
+          <p:cNvPr id="3" name="Picture 2" descr="screenshot 2016-06-29 at 11.20.31 PM.jpg"/>
+          <p:cNvPicPr>
+            <a:picLocks noChangeAspect="1"/>
+          </p:cNvPicPr>
+          <p:nvPr/>
+        </p:nvPicPr>
+        <p:blipFill>
+          <a:blip r:embed="rId4">
+            <a:extLst>
+              <a:ext uri="{28A0092B-C50C-407E-A947-70E740481C1C}">
+                <a14:useLocalDpi xmlns:a14="http://schemas.microsoft.com/office/drawing/2010/main" val="0"/>
+              </a:ext>
+            </a:extLst>
+          </a:blip>
+          <a:stretch>
+            <a:fillRect/>
+          </a:stretch>
+        </p:blipFill>
+        <p:spPr>
+          <a:xfrm>
+            <a:off x="2384308" y="1793599"/>
+            <a:ext cx="4267767" cy="1338002"/>
+          </a:xfrm>
+          <a:prstGeom prst="rect">
+            <a:avLst/>
+          </a:prstGeom>
+        </p:spPr>
+      </p:pic>
+    </p:spTree>
+    <p:extLst>
+      <p:ext uri="{BB962C8B-B14F-4D97-AF65-F5344CB8AC3E}">
+        <p14:creationId xmlns:p14="http://schemas.microsoft.com/office/powerpoint/2010/main" val="374612572"/>
+      </p:ext>
+    </p:extLst>
+  </p:cSld>
+  <p:clrMapOvr>
+    <a:masterClrMapping/>
+  </p:clrMapOvr>
+</p:sld>
+</file>
+
+<file path=ppt/slides/slide3.xml><?xml version="1.0" encoding="utf-8"?>
+<p:sld xmlns:a="http://schemas.openxmlformats.org/drawingml/2006/main" xmlns:r="http://schemas.openxmlformats.org/officeDocument/2006/relationships" xmlns:p="http://schemas.openxmlformats.org/presentationml/2006/main">
+  <p:cSld>
+    <p:spTree>
+      <p:nvGrpSpPr>
+        <p:cNvPr id="1" name="Shape 87"/>
+        <p:cNvGrpSpPr/>
+        <p:nvPr/>
+      </p:nvGrpSpPr>
+      <p:grpSpPr>
+        <a:xfrm>
+          <a:off x="0" y="0"/>
+          <a:ext cx="0" cy="0"/>
+          <a:chOff x="0" y="0"/>
+          <a:chExt cx="0" cy="0"/>
+        </a:xfrm>
+      </p:grpSpPr>
+      <p:sp>
+        <p:nvSpPr>
+          <p:cNvPr id="88" name="Shape 88"/>
+          <p:cNvSpPr txBox="1">
+            <a:spLocks noGrp="1"/>
+          </p:cNvSpPr>
+          <p:nvPr>
+            <p:ph type="body" idx="1"/>
+          </p:nvPr>
+        </p:nvSpPr>
+        <p:spPr>
+          <a:prstGeom prst="rect">
+            <a:avLst/>
+          </a:prstGeom>
+        </p:spPr>
+        <p:txBody>
+          <a:bodyPr lIns="91425" tIns="91425" rIns="91425" bIns="91425" anchor="t" anchorCtr="0">
+            <a:noAutofit/>
+          </a:bodyPr>
+          <a:lstStyle/>
+          <a:p>
+            <a:pPr lvl="0"/>
+            <a:r>
+              <a:rPr lang="en-US" sz="2400" dirty="0" err="1">
+                <a:solidFill>
+                  <a:srgbClr val="800000"/>
+                </a:solidFill>
+              </a:rPr>
+              <a:t>Considere</a:t>
+            </a:r>
+            <a:r>
+              <a:rPr lang="en-US" sz="2400" dirty="0">
+                <a:solidFill>
+                  <a:srgbClr val="800000"/>
+                </a:solidFill>
+              </a:rPr>
+              <a:t> </a:t>
+            </a:r>
+            <a:r>
+              <a:rPr lang="en-US" sz="2400" dirty="0" err="1">
+                <a:solidFill>
+                  <a:srgbClr val="800000"/>
+                </a:solidFill>
+              </a:rPr>
+              <a:t>como</a:t>
+            </a:r>
+            <a:r>
+              <a:rPr lang="en-US" sz="2400" dirty="0">
+                <a:solidFill>
+                  <a:srgbClr val="800000"/>
+                </a:solidFill>
+              </a:rPr>
+              <a:t> </a:t>
+            </a:r>
+            <a:r>
+              <a:rPr lang="en-US" sz="2400" dirty="0" err="1">
+                <a:solidFill>
+                  <a:srgbClr val="800000"/>
+                </a:solidFill>
+              </a:rPr>
+              <a:t>regresores</a:t>
+            </a:r>
+            <a:r>
+              <a:rPr lang="en-US" sz="2400" dirty="0">
+                <a:solidFill>
+                  <a:srgbClr val="800000"/>
+                </a:solidFill>
+              </a:rPr>
+              <a:t> </a:t>
+            </a:r>
+            <a:r>
+              <a:rPr lang="en-US" sz="2400" dirty="0" err="1">
+                <a:solidFill>
+                  <a:srgbClr val="800000"/>
+                </a:solidFill>
+              </a:rPr>
+              <a:t>las</a:t>
+            </a:r>
+            <a:r>
+              <a:rPr lang="en-US" sz="2400" dirty="0">
+                <a:solidFill>
+                  <a:srgbClr val="800000"/>
+                </a:solidFill>
+              </a:rPr>
+              <a:t> variables</a:t>
+            </a:r>
+            <a:r>
+              <a:rPr lang="en-US" sz="2400" dirty="0" smtClean="0">
+                <a:solidFill>
+                  <a:srgbClr val="800000"/>
+                </a:solidFill>
+              </a:rPr>
+              <a:t>:</a:t>
+            </a:r>
+            <a:endParaRPr lang="en-US" sz="2400" dirty="0">
+              <a:solidFill>
+                <a:srgbClr val="800000"/>
+              </a:solidFill>
+            </a:endParaRPr>
+          </a:p>
+          <a:p>
+            <a:pPr marL="285750" lvl="0" indent="-285750">
+              <a:buFontTx/>
+              <a:buChar char="•"/>
+            </a:pPr>
+            <a:r>
+              <a:rPr lang="en-US" sz="2400" dirty="0" err="1" smtClean="0">
+                <a:solidFill>
+                  <a:srgbClr val="800000"/>
+                </a:solidFill>
+              </a:rPr>
+              <a:t>Sexo</a:t>
+            </a:r>
+            <a:endParaRPr lang="en-US" sz="2400" dirty="0">
+              <a:solidFill>
+                <a:srgbClr val="800000"/>
+              </a:solidFill>
+            </a:endParaRPr>
+          </a:p>
+          <a:p>
+            <a:pPr marL="285750" lvl="0" indent="-285750">
+              <a:buFontTx/>
+              <a:buChar char="•"/>
+            </a:pPr>
+            <a:r>
+              <a:rPr lang="en-US" sz="2400" dirty="0" err="1" smtClean="0">
+                <a:solidFill>
+                  <a:srgbClr val="800000"/>
+                </a:solidFill>
+              </a:rPr>
+              <a:t>Experiencia</a:t>
+            </a:r>
+            <a:r>
+              <a:rPr lang="en-US" sz="2400" dirty="0" smtClean="0">
+                <a:solidFill>
+                  <a:srgbClr val="800000"/>
+                </a:solidFill>
+              </a:rPr>
+              <a:t> </a:t>
+            </a:r>
+            <a:r>
+              <a:rPr lang="en-US" sz="2400" dirty="0" err="1">
+                <a:solidFill>
+                  <a:srgbClr val="800000"/>
+                </a:solidFill>
+              </a:rPr>
+              <a:t>laboral</a:t>
+            </a:r>
+            <a:endParaRPr lang="en-US" sz="2400" dirty="0">
+              <a:solidFill>
+                <a:srgbClr val="800000"/>
+              </a:solidFill>
+            </a:endParaRPr>
+          </a:p>
+          <a:p>
+            <a:pPr marL="285750" lvl="0" indent="-285750">
+              <a:buFontTx/>
+              <a:buChar char="•"/>
+            </a:pPr>
+            <a:r>
+              <a:rPr lang="en-US" sz="2400" dirty="0" smtClean="0">
+                <a:solidFill>
+                  <a:srgbClr val="800000"/>
+                </a:solidFill>
+              </a:rPr>
+              <a:t>Si </a:t>
+            </a:r>
+            <a:r>
+              <a:rPr lang="en-US" sz="2400" dirty="0">
+                <a:solidFill>
+                  <a:srgbClr val="800000"/>
+                </a:solidFill>
+              </a:rPr>
+              <a:t>la persona reside en la </a:t>
+            </a:r>
+            <a:r>
+              <a:rPr lang="en-US" sz="2400" dirty="0" err="1">
+                <a:solidFill>
+                  <a:srgbClr val="800000"/>
+                </a:solidFill>
+              </a:rPr>
+              <a:t>Región</a:t>
+            </a:r>
+            <a:r>
+              <a:rPr lang="en-US" sz="2400" dirty="0">
+                <a:solidFill>
+                  <a:srgbClr val="800000"/>
+                </a:solidFill>
+              </a:rPr>
+              <a:t> </a:t>
+            </a:r>
+            <a:r>
+              <a:rPr lang="en-US" sz="2400" dirty="0" err="1">
+                <a:solidFill>
+                  <a:srgbClr val="800000"/>
+                </a:solidFill>
+              </a:rPr>
+              <a:t>Metropolitana</a:t>
+            </a:r>
+            <a:endParaRPr lang="en-US" sz="2400" dirty="0">
+              <a:solidFill>
+                <a:srgbClr val="800000"/>
+              </a:solidFill>
+            </a:endParaRPr>
+          </a:p>
+          <a:p>
+            <a:pPr marL="285750" lvl="0" indent="-285750">
+              <a:buFontTx/>
+              <a:buChar char="•"/>
+            </a:pPr>
+            <a:r>
+              <a:rPr lang="en-US" sz="2400" dirty="0" smtClean="0">
+                <a:solidFill>
+                  <a:srgbClr val="800000"/>
+                </a:solidFill>
+              </a:rPr>
+              <a:t>Si </a:t>
+            </a:r>
+            <a:r>
+              <a:rPr lang="en-US" sz="2400" dirty="0">
+                <a:solidFill>
+                  <a:srgbClr val="800000"/>
+                </a:solidFill>
+              </a:rPr>
+              <a:t>la persona </a:t>
+            </a:r>
+            <a:r>
+              <a:rPr lang="en-US" sz="2400" dirty="0" err="1">
+                <a:solidFill>
+                  <a:srgbClr val="800000"/>
+                </a:solidFill>
+              </a:rPr>
+              <a:t>trabaja</a:t>
+            </a:r>
+            <a:r>
+              <a:rPr lang="en-US" sz="2400" dirty="0">
+                <a:solidFill>
+                  <a:srgbClr val="800000"/>
+                </a:solidFill>
+              </a:rPr>
+              <a:t> en la </a:t>
+            </a:r>
+            <a:r>
+              <a:rPr lang="en-US" sz="2400" dirty="0" err="1">
+                <a:solidFill>
+                  <a:srgbClr val="800000"/>
+                </a:solidFill>
+              </a:rPr>
+              <a:t>Administración</a:t>
+            </a:r>
+            <a:r>
+              <a:rPr lang="en-US" sz="2400" dirty="0">
+                <a:solidFill>
+                  <a:srgbClr val="800000"/>
+                </a:solidFill>
+              </a:rPr>
+              <a:t> </a:t>
+            </a:r>
+            <a:r>
+              <a:rPr lang="en-US" sz="2400" dirty="0" err="1" smtClean="0">
+                <a:solidFill>
+                  <a:srgbClr val="800000"/>
+                </a:solidFill>
+              </a:rPr>
+              <a:t>Pública</a:t>
+            </a:r>
+            <a:endParaRPr lang="en-US" sz="2400" dirty="0">
+              <a:solidFill>
+                <a:srgbClr val="800000"/>
+              </a:solidFill>
+            </a:endParaRPr>
+          </a:p>
+          <a:p>
+            <a:pPr lvl="0"/>
+            <a:r>
+              <a:rPr lang="en-US" sz="2400" dirty="0" err="1">
+                <a:solidFill>
+                  <a:srgbClr val="800000"/>
+                </a:solidFill>
+              </a:rPr>
+              <a:t>Extienda</a:t>
+            </a:r>
+            <a:r>
+              <a:rPr lang="en-US" sz="2400" dirty="0">
+                <a:solidFill>
+                  <a:srgbClr val="800000"/>
+                </a:solidFill>
+              </a:rPr>
+              <a:t> los </a:t>
+            </a:r>
+            <a:r>
+              <a:rPr lang="en-US" sz="2400" dirty="0" err="1">
+                <a:solidFill>
+                  <a:srgbClr val="800000"/>
+                </a:solidFill>
+              </a:rPr>
+              <a:t>resultados</a:t>
+            </a:r>
+            <a:r>
+              <a:rPr lang="en-US" sz="2400" dirty="0">
+                <a:solidFill>
+                  <a:srgbClr val="800000"/>
+                </a:solidFill>
+              </a:rPr>
+              <a:t> de </a:t>
+            </a:r>
+            <a:r>
+              <a:rPr lang="en-US" sz="2400" dirty="0" err="1">
+                <a:solidFill>
+                  <a:srgbClr val="800000"/>
+                </a:solidFill>
+              </a:rPr>
+              <a:t>su</a:t>
+            </a:r>
+            <a:r>
+              <a:rPr lang="en-US" sz="2400" dirty="0">
+                <a:solidFill>
+                  <a:srgbClr val="800000"/>
+                </a:solidFill>
+              </a:rPr>
+              <a:t> </a:t>
+            </a:r>
+            <a:r>
+              <a:rPr lang="en-US" sz="2400" dirty="0" err="1">
+                <a:solidFill>
+                  <a:srgbClr val="800000"/>
+                </a:solidFill>
+              </a:rPr>
+              <a:t>regresión</a:t>
+            </a:r>
+            <a:r>
+              <a:rPr lang="en-US" sz="2400" dirty="0">
+                <a:solidFill>
+                  <a:srgbClr val="800000"/>
+                </a:solidFill>
+              </a:rPr>
+              <a:t> a la </a:t>
+            </a:r>
+            <a:r>
+              <a:rPr lang="en-US" sz="2400" dirty="0" err="1">
+                <a:solidFill>
+                  <a:srgbClr val="800000"/>
+                </a:solidFill>
+              </a:rPr>
+              <a:t>población</a:t>
+            </a:r>
+            <a:r>
+              <a:rPr lang="en-US" sz="2400" dirty="0">
+                <a:solidFill>
+                  <a:srgbClr val="800000"/>
+                </a:solidFill>
+              </a:rPr>
+              <a:t> del </a:t>
+            </a:r>
+            <a:r>
+              <a:rPr lang="en-US" sz="2400" dirty="0" err="1">
+                <a:solidFill>
+                  <a:srgbClr val="800000"/>
+                </a:solidFill>
+              </a:rPr>
+              <a:t>país</a:t>
+            </a:r>
+            <a:r>
+              <a:rPr lang="en-US" sz="2400" dirty="0">
+                <a:solidFill>
+                  <a:srgbClr val="800000"/>
+                </a:solidFill>
+              </a:rPr>
+              <a:t>.</a:t>
+            </a:r>
+            <a:endParaRPr lang="en-US" sz="2400" dirty="0">
+              <a:solidFill>
+                <a:srgbClr val="800000"/>
+              </a:solidFill>
+            </a:endParaRPr>
+          </a:p>
+        </p:txBody>
+      </p:sp>
+      <p:sp>
+        <p:nvSpPr>
+          <p:cNvPr id="2" name="Title 1"/>
+          <p:cNvSpPr>
+            <a:spLocks noGrp="1"/>
+          </p:cNvSpPr>
+          <p:nvPr>
+            <p:ph type="title"/>
+          </p:nvPr>
+        </p:nvSpPr>
+        <p:spPr/>
+        <p:txBody>
+          <a:bodyPr/>
+          <a:lstStyle/>
+          <a:p>
+            <a:r>
+              <a:rPr lang="en-US" sz="3200" b="1" dirty="0" err="1" smtClean="0">
+                <a:solidFill>
+                  <a:schemeClr val="tx1"/>
+                </a:solidFill>
+              </a:rPr>
               <a:t>Primera</a:t>
             </a:r>
             <a:r>
@@ -5714,7 +6195,7 @@
     </p:spTree>
     <p:extLst>
       <p:ext uri="{BB962C8B-B14F-4D97-AF65-F5344CB8AC3E}">
-        <p14:creationId xmlns:p14="http://schemas.microsoft.com/office/powerpoint/2010/main" val="374612572"/>
+        <p14:creationId xmlns:p14="http://schemas.microsoft.com/office/powerpoint/2010/main" val="2078922735"/>
       </p:ext>
     </p:extLst>
   </p:cSld>
